--- a/thesis-docs/SSG E – VOTING SYSTEM USING LARAVEL.pptx
+++ b/thesis-docs/SSG E – VOTING SYSTEM USING LARAVEL.pptx
@@ -133,6 +133,11 @@
       </a:defRPr>
     </a:lvl9pPr>
   </p:defaultTextStyle>
+  <p:extLst>
+    <p:ext uri="{EFAFB233-063F-42B5-8137-9DF3F51BA10A}">
+      <p15:sldGuideLst xmlns:p15="http://schemas.microsoft.com/office/powerpoint/2012/main"/>
+    </p:ext>
+  </p:extLst>
 </p:presentation>
 </file>
 
@@ -267,7 +272,7 @@
           <a:p>
             <a:fld id="{7C9564E9-D79A-41B5-BB47-479375BDD1D3}" type="datetimeFigureOut">
               <a:rPr lang="en-PH" smtClean="0"/>
-              <a:t>20/05/2023</a:t>
+              <a:t>21/05/2023</a:t>
             </a:fld>
             <a:endParaRPr lang="en-PH"/>
           </a:p>
@@ -437,7 +442,7 @@
           <a:p>
             <a:fld id="{7C9564E9-D79A-41B5-BB47-479375BDD1D3}" type="datetimeFigureOut">
               <a:rPr lang="en-PH" smtClean="0"/>
-              <a:t>20/05/2023</a:t>
+              <a:t>21/05/2023</a:t>
             </a:fld>
             <a:endParaRPr lang="en-PH"/>
           </a:p>
@@ -617,7 +622,7 @@
           <a:p>
             <a:fld id="{7C9564E9-D79A-41B5-BB47-479375BDD1D3}" type="datetimeFigureOut">
               <a:rPr lang="en-PH" smtClean="0"/>
-              <a:t>20/05/2023</a:t>
+              <a:t>21/05/2023</a:t>
             </a:fld>
             <a:endParaRPr lang="en-PH"/>
           </a:p>
@@ -787,7 +792,7 @@
           <a:p>
             <a:fld id="{7C9564E9-D79A-41B5-BB47-479375BDD1D3}" type="datetimeFigureOut">
               <a:rPr lang="en-PH" smtClean="0"/>
-              <a:t>20/05/2023</a:t>
+              <a:t>21/05/2023</a:t>
             </a:fld>
             <a:endParaRPr lang="en-PH"/>
           </a:p>
@@ -1033,7 +1038,7 @@
           <a:p>
             <a:fld id="{7C9564E9-D79A-41B5-BB47-479375BDD1D3}" type="datetimeFigureOut">
               <a:rPr lang="en-PH" smtClean="0"/>
-              <a:t>20/05/2023</a:t>
+              <a:t>21/05/2023</a:t>
             </a:fld>
             <a:endParaRPr lang="en-PH"/>
           </a:p>
@@ -1265,7 +1270,7 @@
           <a:p>
             <a:fld id="{7C9564E9-D79A-41B5-BB47-479375BDD1D3}" type="datetimeFigureOut">
               <a:rPr lang="en-PH" smtClean="0"/>
-              <a:t>20/05/2023</a:t>
+              <a:t>21/05/2023</a:t>
             </a:fld>
             <a:endParaRPr lang="en-PH"/>
           </a:p>
@@ -1632,7 +1637,7 @@
           <a:p>
             <a:fld id="{7C9564E9-D79A-41B5-BB47-479375BDD1D3}" type="datetimeFigureOut">
               <a:rPr lang="en-PH" smtClean="0"/>
-              <a:t>20/05/2023</a:t>
+              <a:t>21/05/2023</a:t>
             </a:fld>
             <a:endParaRPr lang="en-PH"/>
           </a:p>
@@ -1750,7 +1755,7 @@
           <a:p>
             <a:fld id="{7C9564E9-D79A-41B5-BB47-479375BDD1D3}" type="datetimeFigureOut">
               <a:rPr lang="en-PH" smtClean="0"/>
-              <a:t>20/05/2023</a:t>
+              <a:t>21/05/2023</a:t>
             </a:fld>
             <a:endParaRPr lang="en-PH"/>
           </a:p>
@@ -1845,7 +1850,7 @@
           <a:p>
             <a:fld id="{7C9564E9-D79A-41B5-BB47-479375BDD1D3}" type="datetimeFigureOut">
               <a:rPr lang="en-PH" smtClean="0"/>
-              <a:t>20/05/2023</a:t>
+              <a:t>21/05/2023</a:t>
             </a:fld>
             <a:endParaRPr lang="en-PH"/>
           </a:p>
@@ -2122,7 +2127,7 @@
           <a:p>
             <a:fld id="{7C9564E9-D79A-41B5-BB47-479375BDD1D3}" type="datetimeFigureOut">
               <a:rPr lang="en-PH" smtClean="0"/>
-              <a:t>20/05/2023</a:t>
+              <a:t>21/05/2023</a:t>
             </a:fld>
             <a:endParaRPr lang="en-PH"/>
           </a:p>
@@ -2375,7 +2380,7 @@
           <a:p>
             <a:fld id="{7C9564E9-D79A-41B5-BB47-479375BDD1D3}" type="datetimeFigureOut">
               <a:rPr lang="en-PH" smtClean="0"/>
-              <a:t>20/05/2023</a:t>
+              <a:t>21/05/2023</a:t>
             </a:fld>
             <a:endParaRPr lang="en-PH"/>
           </a:p>
@@ -2588,7 +2593,7 @@
           <a:p>
             <a:fld id="{7C9564E9-D79A-41B5-BB47-479375BDD1D3}" type="datetimeFigureOut">
               <a:rPr lang="en-PH" smtClean="0"/>
-              <a:t>20/05/2023</a:t>
+              <a:t>21/05/2023</a:t>
             </a:fld>
             <a:endParaRPr lang="en-PH"/>
           </a:p>
@@ -10665,7 +10670,7 @@
         </p:spPr>
         <p:txBody>
           <a:bodyPr>
-            <a:normAutofit lnSpcReduction="10000"/>
+            <a:normAutofit/>
           </a:bodyPr>
           <a:lstStyle/>
           <a:p>
@@ -10701,25 +10706,63 @@
               <a:buNone/>
             </a:pPr>
             <a:r>
+              <a:rPr lang="en-PH" dirty="0">
+                <a:latin typeface="Arial" panose="020B0604020202020204" pitchFamily="34" charset="0"/>
+                <a:cs typeface="Arial" panose="020B0604020202020204" pitchFamily="34" charset="0"/>
+              </a:rPr>
+              <a:t>1</a:t>
+            </a:r>
+            <a:r>
               <a:rPr lang="en-PH" dirty="0" smtClean="0">
                 <a:latin typeface="Arial" panose="020B0604020202020204" pitchFamily="34" charset="0"/>
                 <a:cs typeface="Arial" panose="020B0604020202020204" pitchFamily="34" charset="0"/>
               </a:rPr>
-              <a:t>1. Concerned </a:t>
-            </a:r>
+              <a:t>. </a:t>
+            </a:r>
+            <a:r>
+              <a:rPr lang="en-PH" dirty="0" smtClean="0">
+                <a:latin typeface="Arial" panose="020B0604020202020204" pitchFamily="34" charset="0"/>
+                <a:cs typeface="Arial" panose="020B0604020202020204" pitchFamily="34" charset="0"/>
+              </a:rPr>
+              <a:t>Researchers must conduct system training seminars for the </a:t>
+            </a:r>
+          </a:p>
+          <a:p>
+            <a:pPr marL="0" indent="0" algn="just">
+              <a:buNone/>
+            </a:pPr>
+            <a:r>
+              <a:rPr lang="en-PH" dirty="0" smtClean="0">
+                <a:latin typeface="Arial" panose="020B0604020202020204" pitchFamily="34" charset="0"/>
+                <a:cs typeface="Arial" panose="020B0604020202020204" pitchFamily="34" charset="0"/>
+              </a:rPr>
+              <a:t>    primary or target users to familiarize themselves and be</a:t>
+            </a:r>
+          </a:p>
+          <a:p>
+            <a:pPr marL="0" indent="0" algn="just">
+              <a:buNone/>
+            </a:pPr>
             <a:r>
               <a:rPr lang="en-PH" dirty="0">
                 <a:latin typeface="Arial" panose="020B0604020202020204" pitchFamily="34" charset="0"/>
                 <a:cs typeface="Arial" panose="020B0604020202020204" pitchFamily="34" charset="0"/>
               </a:rPr>
-              <a:t>office conduct benchmarking before the </a:t>
+              <a:t> </a:t>
             </a:r>
             <a:r>
               <a:rPr lang="en-PH" dirty="0" smtClean="0">
                 <a:latin typeface="Arial" panose="020B0604020202020204" pitchFamily="34" charset="0"/>
                 <a:cs typeface="Arial" panose="020B0604020202020204" pitchFamily="34" charset="0"/>
               </a:rPr>
-              <a:t>full</a:t>
+              <a:t>   oriented with the features and </a:t>
+            </a:r>
+            <a:r>
+              <a:rPr lang="en-PH" dirty="0">
+                <a:latin typeface="Arial" panose="020B0604020202020204" pitchFamily="34" charset="0"/>
+                <a:cs typeface="Arial" panose="020B0604020202020204" pitchFamily="34" charset="0"/>
+              </a:rPr>
+              <a:t>operation of the new system;</a:t>
             </a:r>
           </a:p>
           <a:p>
@@ -10731,101 +10774,21 @@
                 <a:latin typeface="Arial" panose="020B0604020202020204" pitchFamily="34" charset="0"/>
                 <a:cs typeface="Arial" panose="020B0604020202020204" pitchFamily="34" charset="0"/>
               </a:rPr>
-              <a:t> </a:t>
+              <a:t>2</a:t>
             </a:r>
             <a:r>
               <a:rPr lang="en-PH" dirty="0" smtClean="0">
                 <a:latin typeface="Arial" panose="020B0604020202020204" pitchFamily="34" charset="0"/>
                 <a:cs typeface="Arial" panose="020B0604020202020204" pitchFamily="34" charset="0"/>
               </a:rPr>
-              <a:t>   implementation of </a:t>
-            </a:r>
-            <a:r>
-              <a:rPr lang="en-PH" dirty="0">
-                <a:latin typeface="Arial" panose="020B0604020202020204" pitchFamily="34" charset="0"/>
-                <a:cs typeface="Arial" panose="020B0604020202020204" pitchFamily="34" charset="0"/>
-              </a:rPr>
-              <a:t>the </a:t>
+              <a:t>. </a:t>
             </a:r>
             <a:r>
               <a:rPr lang="en-PH" dirty="0" smtClean="0">
                 <a:latin typeface="Arial" panose="020B0604020202020204" pitchFamily="34" charset="0"/>
                 <a:cs typeface="Arial" panose="020B0604020202020204" pitchFamily="34" charset="0"/>
               </a:rPr>
-              <a:t>system;</a:t>
-            </a:r>
-          </a:p>
-          <a:p>
-            <a:pPr marL="0" indent="0" algn="just">
-              <a:buNone/>
-            </a:pPr>
-            <a:r>
-              <a:rPr lang="en-PH" dirty="0" smtClean="0">
-                <a:latin typeface="Arial" panose="020B0604020202020204" pitchFamily="34" charset="0"/>
-                <a:cs typeface="Arial" panose="020B0604020202020204" pitchFamily="34" charset="0"/>
-              </a:rPr>
-              <a:t>2. Researchers must conduct system training seminars for </a:t>
-            </a:r>
-            <a:r>
-              <a:rPr lang="en-PH" dirty="0" smtClean="0">
-                <a:latin typeface="Arial" panose="020B0604020202020204" pitchFamily="34" charset="0"/>
-                <a:cs typeface="Arial" panose="020B0604020202020204" pitchFamily="34" charset="0"/>
-              </a:rPr>
-              <a:t>the </a:t>
-            </a:r>
-            <a:endParaRPr lang="en-PH" dirty="0" smtClean="0">
-              <a:latin typeface="Arial" panose="020B0604020202020204" pitchFamily="34" charset="0"/>
-              <a:cs typeface="Arial" panose="020B0604020202020204" pitchFamily="34" charset="0"/>
-            </a:endParaRPr>
-          </a:p>
-          <a:p>
-            <a:pPr marL="0" indent="0" algn="just">
-              <a:buNone/>
-            </a:pPr>
-            <a:r>
-              <a:rPr lang="en-PH" dirty="0" smtClean="0">
-                <a:latin typeface="Arial" panose="020B0604020202020204" pitchFamily="34" charset="0"/>
-                <a:cs typeface="Arial" panose="020B0604020202020204" pitchFamily="34" charset="0"/>
-              </a:rPr>
-              <a:t>    primary or target users to familiarize themselves and be</a:t>
-            </a:r>
-          </a:p>
-          <a:p>
-            <a:pPr marL="0" indent="0" algn="just">
-              <a:buNone/>
-            </a:pPr>
-            <a:r>
-              <a:rPr lang="en-PH" dirty="0">
-                <a:latin typeface="Arial" panose="020B0604020202020204" pitchFamily="34" charset="0"/>
-                <a:cs typeface="Arial" panose="020B0604020202020204" pitchFamily="34" charset="0"/>
-              </a:rPr>
-              <a:t> </a:t>
-            </a:r>
-            <a:r>
-              <a:rPr lang="en-PH" dirty="0" smtClean="0">
-                <a:latin typeface="Arial" panose="020B0604020202020204" pitchFamily="34" charset="0"/>
-                <a:cs typeface="Arial" panose="020B0604020202020204" pitchFamily="34" charset="0"/>
-              </a:rPr>
-              <a:t>   oriented with the features and </a:t>
-            </a:r>
-            <a:r>
-              <a:rPr lang="en-PH" dirty="0">
-                <a:latin typeface="Arial" panose="020B0604020202020204" pitchFamily="34" charset="0"/>
-                <a:cs typeface="Arial" panose="020B0604020202020204" pitchFamily="34" charset="0"/>
-              </a:rPr>
-              <a:t>operation of the new system;</a:t>
-            </a:r>
-          </a:p>
-          <a:p>
-            <a:pPr marL="0" indent="0" algn="just">
-              <a:buNone/>
-            </a:pPr>
-            <a:r>
-              <a:rPr lang="en-PH" dirty="0" smtClean="0">
-                <a:latin typeface="Arial" panose="020B0604020202020204" pitchFamily="34" charset="0"/>
-                <a:cs typeface="Arial" panose="020B0604020202020204" pitchFamily="34" charset="0"/>
-              </a:rPr>
-              <a:t>3. System </a:t>
+              <a:t>System </a:t>
             </a:r>
             <a:r>
               <a:rPr lang="en-PH" dirty="0">
